--- a/pertemuan_5/Pertemuan_5.pptx
+++ b/pertemuan_5/Pertemuan_5.pptx
@@ -5756,7 +5756,7 @@
             </a:r>
             <a:r>
               <a:rPr lang="en-US">
-                <a:hlinkClick r:id="rId1" tooltip="" action="ppaction://hlinkfile"/>
+                <a:hlinkClick r:id="rId1" action="ppaction://hlinkfile"/>
               </a:rPr>
               <a:t>Flask Session Configuration</a:t>
             </a:r>
@@ -9387,7 +9387,7 @@
             </a:r>
             <a:r>
               <a:rPr lang="en-US" sz="2400">
-                <a:hlinkClick r:id="rId1" tooltip="" action="ppaction://hlinkfile"/>
+                <a:hlinkClick r:id="rId1" action="ppaction://hlinkfile"/>
               </a:rPr>
               <a:t>Search-Security</a:t>
             </a:r>
@@ -9555,12 +9555,12 @@
           <a:p>
             <a:r>
               <a:rPr lang="en-US" sz="1400">
-                <a:hlinkClick r:id="rId2" tooltip="" action="ppaction://hlinkfile"/>
+                <a:hlinkClick r:id="rId2" action="ppaction://hlinkfile"/>
               </a:rPr>
               <a:t>https://beaglesecurity.com/blog/article/session-security.html</a:t>
             </a:r>
             <a:endParaRPr lang="en-US" sz="1400">
-              <a:hlinkClick r:id="rId2" tooltip="" action="ppaction://hlinkfile"/>
+              <a:hlinkClick r:id="rId2" action="ppaction://hlinkfile"/>
             </a:endParaRPr>
           </a:p>
         </p:txBody>
@@ -10210,7 +10210,7 @@
             </a:pPr>
             <a:r>
               <a:rPr lang="en-US"/>
-              <a:t>We can just put anythin into this, or using same value used in</a:t>
+              <a:t>We can just put anything into this, or using same value used in</a:t>
             </a:r>
             <a:r>
               <a:rPr lang="en-US" b="1"/>
@@ -10335,13 +10335,13 @@
               <a:t> :</a:t>
             </a:r>
             <a:endParaRPr lang="en-US">
-              <a:hlinkClick r:id="rId2" tooltip="" action="ppaction://hlinkfile"/>
+              <a:hlinkClick r:id="rId2" action="ppaction://hlinkfile"/>
             </a:endParaRPr>
           </a:p>
           <a:p>
             <a:r>
               <a:rPr lang="en-US">
-                <a:hlinkClick r:id="rId2" tooltip="" action="ppaction://hlinkfile"/>
+                <a:hlinkClick r:id="rId2" action="ppaction://hlinkfile"/>
               </a:rPr>
               <a:t>https://pythonhosted.org/Flask-Security/configuration.html</a:t>
             </a:r>
@@ -11969,7 +11969,7 @@
             </a:r>
             <a:r>
               <a:rPr lang="en-US" sz="2000">
-                <a:hlinkClick r:id="rId2" tooltip="" action="ppaction://hlinkfile"/>
+                <a:hlinkClick r:id="rId2" action="ppaction://hlinkfile"/>
               </a:rPr>
               <a:t> SQLAlchemy User DataStore</a:t>
             </a:r>
@@ -13285,12 +13285,12 @@
             </a:r>
             <a:r>
               <a:rPr lang="en-US" sz="2000">
-                <a:hlinkClick r:id="rId1" tooltip="" action="ppaction://hlinkfile"/>
+                <a:hlinkClick r:id="rId1" action="ppaction://hlinkfile"/>
               </a:rPr>
               <a:t>https://mdbootstrap.com/docs/standard/extended/login/</a:t>
             </a:r>
             <a:endParaRPr lang="en-US" sz="2000">
-              <a:hlinkClick r:id="rId1" tooltip="" action="ppaction://hlinkfile"/>
+              <a:hlinkClick r:id="rId1" action="ppaction://hlinkfile"/>
             </a:endParaRPr>
           </a:p>
           <a:p>
@@ -13669,7 +13669,7 @@
           <a:p>
             <a:r>
               <a:rPr lang="en-US">
-                <a:hlinkClick r:id="rId1" tooltip="" action="ppaction://hlinkfile"/>
+                <a:hlinkClick r:id="rId1" action="ppaction://hlinkfile"/>
               </a:rPr>
               <a:t>https://pythonhosted.org/Flask-Security/customizing.html</a:t>
             </a:r>
@@ -13878,10 +13878,18 @@
             <a:r>
               <a:rPr lang="en-US" sz="2000">
                 <a:solidFill>
+                  <a:schemeClr val="tx1"/>
+                </a:solidFill>
+              </a:rPr>
+              <a:t>overide </a:t>
+            </a:r>
+            <a:r>
+              <a:rPr lang="en-US" sz="2000">
+                <a:solidFill>
                   <a:srgbClr val="FF0000"/>
                 </a:solidFill>
               </a:rPr>
-              <a:t>overtide login_user.html</a:t>
+              <a:t>login_user.html</a:t>
             </a:r>
             <a:r>
               <a:rPr lang="en-US" sz="2000"/>
@@ -14063,7 +14071,7 @@
         </p:blipFill>
         <p:spPr>
           <a:xfrm>
-            <a:off x="1322705" y="2249805"/>
+            <a:off x="1322705" y="2277745"/>
             <a:ext cx="9126855" cy="4320540"/>
           </a:xfrm>
           <a:prstGeom prst="rect">
@@ -14231,6 +14239,44 @@
               <a:t> that will handel redirection user when it authenticated.</a:t>
             </a:r>
             <a:endParaRPr lang="en-US"/>
+          </a:p>
+        </p:txBody>
+      </p:sp>
+      <p:sp>
+        <p:nvSpPr>
+          <p:cNvPr id="2" name="Text Box 1"/>
+          <p:cNvSpPr txBox="1"/>
+          <p:nvPr/>
+        </p:nvSpPr>
+        <p:spPr>
+          <a:xfrm>
+            <a:off x="3762375" y="6291580"/>
+            <a:ext cx="6687185" cy="306705"/>
+          </a:xfrm>
+          <a:prstGeom prst="rect">
+            <a:avLst/>
+          </a:prstGeom>
+          <a:noFill/>
+        </p:spPr>
+        <p:txBody>
+          <a:bodyPr wrap="square" rtlCol="0" anchor="t">
+            <a:spAutoFit/>
+          </a:bodyPr>
+          <a:p>
+            <a:pPr algn="r"/>
+            <a:r>
+              <a:rPr lang="en-US" sz="1400">
+                <a:solidFill>
+                  <a:srgbClr val="FF0000"/>
+                </a:solidFill>
+              </a:rPr>
+              <a:t>pertemuan_5\5_Custom_Login_Template\app\templates\security\login_user.html</a:t>
+            </a:r>
+            <a:endParaRPr lang="en-US" sz="1400">
+              <a:solidFill>
+                <a:srgbClr val="FF0000"/>
+              </a:solidFill>
+            </a:endParaRPr>
           </a:p>
         </p:txBody>
       </p:sp>
@@ -14813,12 +14859,12 @@
           <a:p>
             <a:r>
               <a:rPr lang="en-US" sz="1400">
-                <a:hlinkClick r:id="rId1" tooltip="" action="ppaction://hlinkfile"/>
+                <a:hlinkClick r:id="rId1" action="ppaction://hlinkfile"/>
               </a:rPr>
               <a:t>https://web.stanford.edu/~ouster/cgi-bin/cs142-fall10/lecture.php?topic=cookie</a:t>
             </a:r>
             <a:endParaRPr lang="en-US" sz="1400">
-              <a:hlinkClick r:id="rId1" tooltip="" action="ppaction://hlinkfile"/>
+              <a:hlinkClick r:id="rId1" action="ppaction://hlinkfile"/>
             </a:endParaRPr>
           </a:p>
         </p:txBody>
